--- a/assets/members/member_hjh.pptx
+++ b/assets/members/member_hjh.pptx
@@ -197,7 +197,7 @@
           <a:p>
             <a:fld id="{E628AAC4-EF3D-4399-ADBF-CCB864C2C04D}" type="datetimeFigureOut">
               <a:rPr lang="ko-KR" altLang="en-US" smtClean="0"/>
-              <a:t>2024. 8. 1.</a:t>
+              <a:t>2025. 2. 21.</a:t>
             </a:fld>
             <a:endParaRPr lang="ko-KR" altLang="en-US" dirty="0"/>
           </a:p>
@@ -611,7 +611,7 @@
           <a:p>
             <a:fld id="{75F2F651-36CF-4C58-93DF-887A107CEA47}" type="datetimeFigureOut">
               <a:rPr lang="ko-KR" altLang="en-US" smtClean="0"/>
-              <a:t>2024. 8. 1.</a:t>
+              <a:t>2025. 2. 21.</a:t>
             </a:fld>
             <a:endParaRPr lang="ko-KR" altLang="en-US" dirty="0"/>
           </a:p>
@@ -809,7 +809,7 @@
           <a:p>
             <a:fld id="{75F2F651-36CF-4C58-93DF-887A107CEA47}" type="datetimeFigureOut">
               <a:rPr lang="ko-KR" altLang="en-US" smtClean="0"/>
-              <a:t>2024. 8. 1.</a:t>
+              <a:t>2025. 2. 21.</a:t>
             </a:fld>
             <a:endParaRPr lang="ko-KR" altLang="en-US" dirty="0"/>
           </a:p>
@@ -1017,7 +1017,7 @@
           <a:p>
             <a:fld id="{75F2F651-36CF-4C58-93DF-887A107CEA47}" type="datetimeFigureOut">
               <a:rPr lang="ko-KR" altLang="en-US" smtClean="0"/>
-              <a:t>2024. 8. 1.</a:t>
+              <a:t>2025. 2. 21.</a:t>
             </a:fld>
             <a:endParaRPr lang="ko-KR" altLang="en-US" dirty="0"/>
           </a:p>
@@ -1215,7 +1215,7 @@
           <a:p>
             <a:fld id="{75F2F651-36CF-4C58-93DF-887A107CEA47}" type="datetimeFigureOut">
               <a:rPr lang="ko-KR" altLang="en-US" smtClean="0"/>
-              <a:t>2024. 8. 1.</a:t>
+              <a:t>2025. 2. 21.</a:t>
             </a:fld>
             <a:endParaRPr lang="ko-KR" altLang="en-US" dirty="0"/>
           </a:p>
@@ -1490,7 +1490,7 @@
           <a:p>
             <a:fld id="{75F2F651-36CF-4C58-93DF-887A107CEA47}" type="datetimeFigureOut">
               <a:rPr lang="ko-KR" altLang="en-US" smtClean="0"/>
-              <a:t>2024. 8. 1.</a:t>
+              <a:t>2025. 2. 21.</a:t>
             </a:fld>
             <a:endParaRPr lang="ko-KR" altLang="en-US" dirty="0"/>
           </a:p>
@@ -1755,7 +1755,7 @@
           <a:p>
             <a:fld id="{75F2F651-36CF-4C58-93DF-887A107CEA47}" type="datetimeFigureOut">
               <a:rPr lang="ko-KR" altLang="en-US" smtClean="0"/>
-              <a:t>2024. 8. 1.</a:t>
+              <a:t>2025. 2. 21.</a:t>
             </a:fld>
             <a:endParaRPr lang="ko-KR" altLang="en-US" dirty="0"/>
           </a:p>
@@ -2167,7 +2167,7 @@
           <a:p>
             <a:fld id="{75F2F651-36CF-4C58-93DF-887A107CEA47}" type="datetimeFigureOut">
               <a:rPr lang="ko-KR" altLang="en-US" smtClean="0"/>
-              <a:t>2024. 8. 1.</a:t>
+              <a:t>2025. 2. 21.</a:t>
             </a:fld>
             <a:endParaRPr lang="ko-KR" altLang="en-US" dirty="0"/>
           </a:p>
@@ -2308,7 +2308,7 @@
           <a:p>
             <a:fld id="{75F2F651-36CF-4C58-93DF-887A107CEA47}" type="datetimeFigureOut">
               <a:rPr lang="ko-KR" altLang="en-US" smtClean="0"/>
-              <a:t>2024. 8. 1.</a:t>
+              <a:t>2025. 2. 21.</a:t>
             </a:fld>
             <a:endParaRPr lang="ko-KR" altLang="en-US" dirty="0"/>
           </a:p>
@@ -2421,7 +2421,7 @@
           <a:p>
             <a:fld id="{75F2F651-36CF-4C58-93DF-887A107CEA47}" type="datetimeFigureOut">
               <a:rPr lang="ko-KR" altLang="en-US" smtClean="0"/>
-              <a:t>2024. 8. 1.</a:t>
+              <a:t>2025. 2. 21.</a:t>
             </a:fld>
             <a:endParaRPr lang="ko-KR" altLang="en-US" dirty="0"/>
           </a:p>
@@ -2732,7 +2732,7 @@
           <a:p>
             <a:fld id="{75F2F651-36CF-4C58-93DF-887A107CEA47}" type="datetimeFigureOut">
               <a:rPr lang="ko-KR" altLang="en-US" smtClean="0"/>
-              <a:t>2024. 8. 1.</a:t>
+              <a:t>2025. 2. 21.</a:t>
             </a:fld>
             <a:endParaRPr lang="ko-KR" altLang="en-US" dirty="0"/>
           </a:p>
@@ -3020,7 +3020,7 @@
           <a:p>
             <a:fld id="{75F2F651-36CF-4C58-93DF-887A107CEA47}" type="datetimeFigureOut">
               <a:rPr lang="ko-KR" altLang="en-US" smtClean="0"/>
-              <a:t>2024. 8. 1.</a:t>
+              <a:t>2025. 2. 21.</a:t>
             </a:fld>
             <a:endParaRPr lang="ko-KR" altLang="en-US" dirty="0"/>
           </a:p>
@@ -3261,7 +3261,7 @@
           <a:p>
             <a:fld id="{75F2F651-36CF-4C58-93DF-887A107CEA47}" type="datetimeFigureOut">
               <a:rPr lang="ko-KR" altLang="en-US" smtClean="0"/>
-              <a:t>2024. 8. 1.</a:t>
+              <a:t>2025. 2. 21.</a:t>
             </a:fld>
             <a:endParaRPr lang="ko-KR" altLang="en-US" dirty="0"/>
           </a:p>
@@ -3883,11 +3883,11 @@
               <a:t>: </a:t>
             </a:r>
             <a:r>
-              <a:rPr lang="ko-KR" altLang="en-US" sz="1400" dirty="0">
+              <a:rPr lang="ko-KR" altLang="en-US" sz="1400">
                 <a:latin typeface="JejuGothicOTF" panose="02000300000000000000" pitchFamily="2" charset="-127"/>
                 <a:ea typeface="JejuGothicOTF" panose="02000300000000000000" pitchFamily="2" charset="-127"/>
               </a:rPr>
-              <a:t>학부과정</a:t>
+              <a:t>석박사통합과정</a:t>
             </a:r>
             <a:endParaRPr lang="en-US" altLang="ko-KR" sz="1400" dirty="0">
               <a:latin typeface="JejuGothicOTF" panose="02000300000000000000" pitchFamily="2" charset="-127"/>
@@ -3998,16 +3998,12 @@
               <a:t>opkwisdom</a:t>
             </a:r>
             <a:r>
-              <a:rPr lang="en-US" altLang="ko-KR" sz="1400">
+              <a:rPr lang="en-US" altLang="ko-KR" sz="1400" dirty="0">
                 <a:latin typeface="JejuGothicOTF" panose="02000300000000000000" pitchFamily="2" charset="-127"/>
                 <a:ea typeface="JejuGothicOTF" panose="02000300000000000000" pitchFamily="2" charset="-127"/>
               </a:rPr>
               <a:t>/</a:t>
             </a:r>
-            <a:endParaRPr lang="en-US" altLang="ko-KR" sz="1400" dirty="0">
-              <a:latin typeface="JejuGothicOTF" panose="02000300000000000000" pitchFamily="2" charset="-127"/>
-              <a:ea typeface="JejuGothicOTF" panose="02000300000000000000" pitchFamily="2" charset="-127"/>
-            </a:endParaRPr>
           </a:p>
         </p:txBody>
       </p:sp>

--- a/assets/members/member_hjh.pptx
+++ b/assets/members/member_hjh.pptx
@@ -197,7 +197,7 @@
           <a:p>
             <a:fld id="{E628AAC4-EF3D-4399-ADBF-CCB864C2C04D}" type="datetimeFigureOut">
               <a:rPr lang="ko-KR" altLang="en-US" smtClean="0"/>
-              <a:t>2025. 2. 21.</a:t>
+              <a:t>2025. 2. 27.</a:t>
             </a:fld>
             <a:endParaRPr lang="ko-KR" altLang="en-US" dirty="0"/>
           </a:p>
@@ -611,7 +611,7 @@
           <a:p>
             <a:fld id="{75F2F651-36CF-4C58-93DF-887A107CEA47}" type="datetimeFigureOut">
               <a:rPr lang="ko-KR" altLang="en-US" smtClean="0"/>
-              <a:t>2025. 2. 21.</a:t>
+              <a:t>2025. 2. 27.</a:t>
             </a:fld>
             <a:endParaRPr lang="ko-KR" altLang="en-US" dirty="0"/>
           </a:p>
@@ -809,7 +809,7 @@
           <a:p>
             <a:fld id="{75F2F651-36CF-4C58-93DF-887A107CEA47}" type="datetimeFigureOut">
               <a:rPr lang="ko-KR" altLang="en-US" smtClean="0"/>
-              <a:t>2025. 2. 21.</a:t>
+              <a:t>2025. 2. 27.</a:t>
             </a:fld>
             <a:endParaRPr lang="ko-KR" altLang="en-US" dirty="0"/>
           </a:p>
@@ -1017,7 +1017,7 @@
           <a:p>
             <a:fld id="{75F2F651-36CF-4C58-93DF-887A107CEA47}" type="datetimeFigureOut">
               <a:rPr lang="ko-KR" altLang="en-US" smtClean="0"/>
-              <a:t>2025. 2. 21.</a:t>
+              <a:t>2025. 2. 27.</a:t>
             </a:fld>
             <a:endParaRPr lang="ko-KR" altLang="en-US" dirty="0"/>
           </a:p>
@@ -1215,7 +1215,7 @@
           <a:p>
             <a:fld id="{75F2F651-36CF-4C58-93DF-887A107CEA47}" type="datetimeFigureOut">
               <a:rPr lang="ko-KR" altLang="en-US" smtClean="0"/>
-              <a:t>2025. 2. 21.</a:t>
+              <a:t>2025. 2. 27.</a:t>
             </a:fld>
             <a:endParaRPr lang="ko-KR" altLang="en-US" dirty="0"/>
           </a:p>
@@ -1490,7 +1490,7 @@
           <a:p>
             <a:fld id="{75F2F651-36CF-4C58-93DF-887A107CEA47}" type="datetimeFigureOut">
               <a:rPr lang="ko-KR" altLang="en-US" smtClean="0"/>
-              <a:t>2025. 2. 21.</a:t>
+              <a:t>2025. 2. 27.</a:t>
             </a:fld>
             <a:endParaRPr lang="ko-KR" altLang="en-US" dirty="0"/>
           </a:p>
@@ -1755,7 +1755,7 @@
           <a:p>
             <a:fld id="{75F2F651-36CF-4C58-93DF-887A107CEA47}" type="datetimeFigureOut">
               <a:rPr lang="ko-KR" altLang="en-US" smtClean="0"/>
-              <a:t>2025. 2. 21.</a:t>
+              <a:t>2025. 2. 27.</a:t>
             </a:fld>
             <a:endParaRPr lang="ko-KR" altLang="en-US" dirty="0"/>
           </a:p>
@@ -2167,7 +2167,7 @@
           <a:p>
             <a:fld id="{75F2F651-36CF-4C58-93DF-887A107CEA47}" type="datetimeFigureOut">
               <a:rPr lang="ko-KR" altLang="en-US" smtClean="0"/>
-              <a:t>2025. 2. 21.</a:t>
+              <a:t>2025. 2. 27.</a:t>
             </a:fld>
             <a:endParaRPr lang="ko-KR" altLang="en-US" dirty="0"/>
           </a:p>
@@ -2308,7 +2308,7 @@
           <a:p>
             <a:fld id="{75F2F651-36CF-4C58-93DF-887A107CEA47}" type="datetimeFigureOut">
               <a:rPr lang="ko-KR" altLang="en-US" smtClean="0"/>
-              <a:t>2025. 2. 21.</a:t>
+              <a:t>2025. 2. 27.</a:t>
             </a:fld>
             <a:endParaRPr lang="ko-KR" altLang="en-US" dirty="0"/>
           </a:p>
@@ -2421,7 +2421,7 @@
           <a:p>
             <a:fld id="{75F2F651-36CF-4C58-93DF-887A107CEA47}" type="datetimeFigureOut">
               <a:rPr lang="ko-KR" altLang="en-US" smtClean="0"/>
-              <a:t>2025. 2. 21.</a:t>
+              <a:t>2025. 2. 27.</a:t>
             </a:fld>
             <a:endParaRPr lang="ko-KR" altLang="en-US" dirty="0"/>
           </a:p>
@@ -2732,7 +2732,7 @@
           <a:p>
             <a:fld id="{75F2F651-36CF-4C58-93DF-887A107CEA47}" type="datetimeFigureOut">
               <a:rPr lang="ko-KR" altLang="en-US" smtClean="0"/>
-              <a:t>2025. 2. 21.</a:t>
+              <a:t>2025. 2. 27.</a:t>
             </a:fld>
             <a:endParaRPr lang="ko-KR" altLang="en-US" dirty="0"/>
           </a:p>
@@ -3020,7 +3020,7 @@
           <a:p>
             <a:fld id="{75F2F651-36CF-4C58-93DF-887A107CEA47}" type="datetimeFigureOut">
               <a:rPr lang="ko-KR" altLang="en-US" smtClean="0"/>
-              <a:t>2025. 2. 21.</a:t>
+              <a:t>2025. 2. 27.</a:t>
             </a:fld>
             <a:endParaRPr lang="ko-KR" altLang="en-US" dirty="0"/>
           </a:p>
@@ -3261,7 +3261,7 @@
           <a:p>
             <a:fld id="{75F2F651-36CF-4C58-93DF-887A107CEA47}" type="datetimeFigureOut">
               <a:rPr lang="ko-KR" altLang="en-US" smtClean="0"/>
-              <a:t>2025. 2. 21.</a:t>
+              <a:t>2025. 2. 27.</a:t>
             </a:fld>
             <a:endParaRPr lang="ko-KR" altLang="en-US" dirty="0"/>
           </a:p>
@@ -3887,7 +3887,7 @@
                 <a:latin typeface="JejuGothicOTF" panose="02000300000000000000" pitchFamily="2" charset="-127"/>
                 <a:ea typeface="JejuGothicOTF" panose="02000300000000000000" pitchFamily="2" charset="-127"/>
               </a:rPr>
-              <a:t>석박사통합과정</a:t>
+              <a:t>학석사연계과정</a:t>
             </a:r>
             <a:endParaRPr lang="en-US" altLang="ko-KR" sz="1400" dirty="0">
               <a:latin typeface="JejuGothicOTF" panose="02000300000000000000" pitchFamily="2" charset="-127"/>
